--- a/DSP/MIkkel-PowerPoints/DSP-03_FreqRes_geoFortolk_ampl_fase.pptx
+++ b/DSP/MIkkel-PowerPoints/DSP-03_FreqRes_geoFortolk_ampl_fase.pptx
@@ -8,9 +8,9 @@
     <p:sldId id="256" r:id="rId2"/>
     <p:sldId id="257" r:id="rId3"/>
     <p:sldId id="258" r:id="rId4"/>
-    <p:sldId id="259" r:id="rId5"/>
-    <p:sldId id="260" r:id="rId6"/>
-    <p:sldId id="261" r:id="rId7"/>
+    <p:sldId id="261" r:id="rId5"/>
+    <p:sldId id="259" r:id="rId6"/>
+    <p:sldId id="260" r:id="rId7"/>
     <p:sldId id="262" r:id="rId8"/>
     <p:sldId id="264" r:id="rId9"/>
     <p:sldId id="263" r:id="rId10"/>
@@ -632,7 +632,7 @@
           <a:p>
             <a:fld id="{846CE7D5-CF57-46EF-B807-FDD0502418D4}" type="datetimeFigureOut">
               <a:rPr lang="en-US" smtClean="0"/>
-              <a:t>12/30/2024</a:t>
+              <a:t>1/15/2025</a:t>
             </a:fld>
             <a:endParaRPr lang="en-US"/>
           </a:p>
@@ -674,7 +674,7 @@
           <a:p>
             <a:fld id="{330EA680-D336-4FF7-8B7A-9848BB0A1C32}" type="slidenum">
               <a:rPr lang="en-US" smtClean="0"/>
-              <a:t>‹#›</a:t>
+              <a:t>‹nr.›</a:t>
             </a:fld>
             <a:endParaRPr lang="en-US"/>
           </a:p>
@@ -802,7 +802,7 @@
           <a:p>
             <a:fld id="{846CE7D5-CF57-46EF-B807-FDD0502418D4}" type="datetimeFigureOut">
               <a:rPr lang="en-US" smtClean="0"/>
-              <a:t>12/30/2024</a:t>
+              <a:t>1/15/2025</a:t>
             </a:fld>
             <a:endParaRPr lang="en-US"/>
           </a:p>
@@ -844,7 +844,7 @@
           <a:p>
             <a:fld id="{330EA680-D336-4FF7-8B7A-9848BB0A1C32}" type="slidenum">
               <a:rPr lang="en-US" smtClean="0"/>
-              <a:t>‹#›</a:t>
+              <a:t>‹nr.›</a:t>
             </a:fld>
             <a:endParaRPr lang="en-US"/>
           </a:p>
@@ -982,7 +982,7 @@
           <a:p>
             <a:fld id="{846CE7D5-CF57-46EF-B807-FDD0502418D4}" type="datetimeFigureOut">
               <a:rPr lang="en-US" smtClean="0"/>
-              <a:t>12/30/2024</a:t>
+              <a:t>1/15/2025</a:t>
             </a:fld>
             <a:endParaRPr lang="en-US"/>
           </a:p>
@@ -1024,7 +1024,7 @@
           <a:p>
             <a:fld id="{330EA680-D336-4FF7-8B7A-9848BB0A1C32}" type="slidenum">
               <a:rPr lang="en-US" smtClean="0"/>
-              <a:t>‹#›</a:t>
+              <a:t>‹nr.›</a:t>
             </a:fld>
             <a:endParaRPr lang="en-US"/>
           </a:p>
@@ -1152,7 +1152,7 @@
           <a:p>
             <a:fld id="{846CE7D5-CF57-46EF-B807-FDD0502418D4}" type="datetimeFigureOut">
               <a:rPr lang="en-US" smtClean="0"/>
-              <a:t>12/30/2024</a:t>
+              <a:t>1/15/2025</a:t>
             </a:fld>
             <a:endParaRPr lang="en-US"/>
           </a:p>
@@ -1194,7 +1194,7 @@
           <a:p>
             <a:fld id="{330EA680-D336-4FF7-8B7A-9848BB0A1C32}" type="slidenum">
               <a:rPr lang="en-US" smtClean="0"/>
-              <a:t>‹#›</a:t>
+              <a:t>‹nr.›</a:t>
             </a:fld>
             <a:endParaRPr lang="en-US"/>
           </a:p>
@@ -1398,7 +1398,7 @@
           <a:p>
             <a:fld id="{846CE7D5-CF57-46EF-B807-FDD0502418D4}" type="datetimeFigureOut">
               <a:rPr lang="en-US" smtClean="0"/>
-              <a:t>12/30/2024</a:t>
+              <a:t>1/15/2025</a:t>
             </a:fld>
             <a:endParaRPr lang="en-US"/>
           </a:p>
@@ -1440,7 +1440,7 @@
           <a:p>
             <a:fld id="{330EA680-D336-4FF7-8B7A-9848BB0A1C32}" type="slidenum">
               <a:rPr lang="en-US" smtClean="0"/>
-              <a:t>‹#›</a:t>
+              <a:t>‹nr.›</a:t>
             </a:fld>
             <a:endParaRPr lang="en-US"/>
           </a:p>
@@ -1630,7 +1630,7 @@
           <a:p>
             <a:fld id="{846CE7D5-CF57-46EF-B807-FDD0502418D4}" type="datetimeFigureOut">
               <a:rPr lang="en-US" smtClean="0"/>
-              <a:t>12/30/2024</a:t>
+              <a:t>1/15/2025</a:t>
             </a:fld>
             <a:endParaRPr lang="en-US"/>
           </a:p>
@@ -1672,7 +1672,7 @@
           <a:p>
             <a:fld id="{330EA680-D336-4FF7-8B7A-9848BB0A1C32}" type="slidenum">
               <a:rPr lang="en-US" smtClean="0"/>
-              <a:t>‹#›</a:t>
+              <a:t>‹nr.›</a:t>
             </a:fld>
             <a:endParaRPr lang="en-US"/>
           </a:p>
@@ -1997,7 +1997,7 @@
           <a:p>
             <a:fld id="{846CE7D5-CF57-46EF-B807-FDD0502418D4}" type="datetimeFigureOut">
               <a:rPr lang="en-US" smtClean="0"/>
-              <a:t>12/30/2024</a:t>
+              <a:t>1/15/2025</a:t>
             </a:fld>
             <a:endParaRPr lang="en-US"/>
           </a:p>
@@ -2039,7 +2039,7 @@
           <a:p>
             <a:fld id="{330EA680-D336-4FF7-8B7A-9848BB0A1C32}" type="slidenum">
               <a:rPr lang="en-US" smtClean="0"/>
-              <a:t>‹#›</a:t>
+              <a:t>‹nr.›</a:t>
             </a:fld>
             <a:endParaRPr lang="en-US"/>
           </a:p>
@@ -2115,7 +2115,7 @@
           <a:p>
             <a:fld id="{846CE7D5-CF57-46EF-B807-FDD0502418D4}" type="datetimeFigureOut">
               <a:rPr lang="en-US" smtClean="0"/>
-              <a:t>12/30/2024</a:t>
+              <a:t>1/15/2025</a:t>
             </a:fld>
             <a:endParaRPr lang="en-US"/>
           </a:p>
@@ -2157,7 +2157,7 @@
           <a:p>
             <a:fld id="{330EA680-D336-4FF7-8B7A-9848BB0A1C32}" type="slidenum">
               <a:rPr lang="en-US" smtClean="0"/>
-              <a:t>‹#›</a:t>
+              <a:t>‹nr.›</a:t>
             </a:fld>
             <a:endParaRPr lang="en-US"/>
           </a:p>
@@ -2210,7 +2210,7 @@
           <a:p>
             <a:fld id="{846CE7D5-CF57-46EF-B807-FDD0502418D4}" type="datetimeFigureOut">
               <a:rPr lang="en-US" smtClean="0"/>
-              <a:t>12/30/2024</a:t>
+              <a:t>1/15/2025</a:t>
             </a:fld>
             <a:endParaRPr lang="en-US"/>
           </a:p>
@@ -2252,7 +2252,7 @@
           <a:p>
             <a:fld id="{330EA680-D336-4FF7-8B7A-9848BB0A1C32}" type="slidenum">
               <a:rPr lang="en-US" smtClean="0"/>
-              <a:t>‹#›</a:t>
+              <a:t>‹nr.›</a:t>
             </a:fld>
             <a:endParaRPr lang="en-US"/>
           </a:p>
@@ -2487,7 +2487,7 @@
           <a:p>
             <a:fld id="{846CE7D5-CF57-46EF-B807-FDD0502418D4}" type="datetimeFigureOut">
               <a:rPr lang="en-US" smtClean="0"/>
-              <a:t>12/30/2024</a:t>
+              <a:t>1/15/2025</a:t>
             </a:fld>
             <a:endParaRPr lang="en-US"/>
           </a:p>
@@ -2529,7 +2529,7 @@
           <a:p>
             <a:fld id="{330EA680-D336-4FF7-8B7A-9848BB0A1C32}" type="slidenum">
               <a:rPr lang="en-US" smtClean="0"/>
-              <a:t>‹#›</a:t>
+              <a:t>‹nr.›</a:t>
             </a:fld>
             <a:endParaRPr lang="en-US"/>
           </a:p>
@@ -2744,7 +2744,7 @@
           <a:p>
             <a:fld id="{846CE7D5-CF57-46EF-B807-FDD0502418D4}" type="datetimeFigureOut">
               <a:rPr lang="en-US" smtClean="0"/>
-              <a:t>12/30/2024</a:t>
+              <a:t>1/15/2025</a:t>
             </a:fld>
             <a:endParaRPr lang="en-US"/>
           </a:p>
@@ -2786,7 +2786,7 @@
           <a:p>
             <a:fld id="{330EA680-D336-4FF7-8B7A-9848BB0A1C32}" type="slidenum">
               <a:rPr lang="en-US" smtClean="0"/>
-              <a:t>‹#›</a:t>
+              <a:t>‹nr.›</a:t>
             </a:fld>
             <a:endParaRPr lang="en-US"/>
           </a:p>
@@ -2957,7 +2957,7 @@
           <a:p>
             <a:fld id="{846CE7D5-CF57-46EF-B807-FDD0502418D4}" type="datetimeFigureOut">
               <a:rPr lang="en-US" smtClean="0"/>
-              <a:t>12/30/2024</a:t>
+              <a:t>1/15/2025</a:t>
             </a:fld>
             <a:endParaRPr lang="en-US"/>
           </a:p>
@@ -3035,7 +3035,7 @@
           <a:p>
             <a:fld id="{330EA680-D336-4FF7-8B7A-9848BB0A1C32}" type="slidenum">
               <a:rPr lang="en-US" smtClean="0"/>
-              <a:t>‹#›</a:t>
+              <a:t>‹nr.›</a:t>
             </a:fld>
             <a:endParaRPr lang="en-US"/>
           </a:p>
@@ -3818,6 +3818,66 @@
           <a:chExt cx="0" cy="0"/>
         </a:xfrm>
       </p:grpSpPr>
+      <p:pic>
+        <p:nvPicPr>
+          <p:cNvPr id="4" name="Picture 3" descr="A drawing of a circle with lines and points&#10;&#10;Description automatically generated">
+            <a:extLst>
+              <a:ext uri="{FF2B5EF4-FFF2-40B4-BE49-F238E27FC236}">
+                <a16:creationId xmlns:a16="http://schemas.microsoft.com/office/drawing/2014/main" id="{5DE1F7BF-570F-BD59-D588-D18EF496CA2C}"/>
+              </a:ext>
+            </a:extLst>
+          </p:cNvPr>
+          <p:cNvPicPr>
+            <a:picLocks noChangeAspect="1"/>
+          </p:cNvPicPr>
+          <p:nvPr/>
+        </p:nvPicPr>
+        <p:blipFill>
+          <a:blip r:embed="rId2"/>
+          <a:stretch>
+            <a:fillRect/>
+          </a:stretch>
+        </p:blipFill>
+        <p:spPr>
+          <a:xfrm>
+            <a:off x="2843213" y="928688"/>
+            <a:ext cx="6067425" cy="5000625"/>
+          </a:xfrm>
+          <a:prstGeom prst="rect">
+            <a:avLst/>
+          </a:prstGeom>
+        </p:spPr>
+      </p:pic>
+    </p:spTree>
+    <p:extLst>
+      <p:ext uri="{BB962C8B-B14F-4D97-AF65-F5344CB8AC3E}">
+        <p14:creationId xmlns:p14="http://schemas.microsoft.com/office/powerpoint/2010/main" val="902853743"/>
+      </p:ext>
+    </p:extLst>
+  </p:cSld>
+  <p:clrMapOvr>
+    <a:masterClrMapping/>
+  </p:clrMapOvr>
+</p:sld>
+</file>
+
+<file path=ppt/slides/slide5.xml><?xml version="1.0" encoding="utf-8"?>
+<p:sld xmlns:a="http://schemas.openxmlformats.org/drawingml/2006/main" xmlns:r="http://schemas.openxmlformats.org/officeDocument/2006/relationships" xmlns:p="http://schemas.openxmlformats.org/presentationml/2006/main">
+  <p:cSld>
+    <p:spTree>
+      <p:nvGrpSpPr>
+        <p:cNvPr id="1" name=""/>
+        <p:cNvGrpSpPr/>
+        <p:nvPr/>
+      </p:nvGrpSpPr>
+      <p:grpSpPr>
+        <a:xfrm>
+          <a:off x="0" y="0"/>
+          <a:ext cx="0" cy="0"/>
+          <a:chOff x="0" y="0"/>
+          <a:chExt cx="0" cy="0"/>
+        </a:xfrm>
+      </p:grpSpPr>
       <p:sp>
         <p:nvSpPr>
           <p:cNvPr id="2" name="Title 1">
@@ -3896,7 +3956,7 @@
 </p:sld>
 </file>
 
-<file path=ppt/slides/slide5.xml><?xml version="1.0" encoding="utf-8"?>
+<file path=ppt/slides/slide6.xml><?xml version="1.0" encoding="utf-8"?>
 <p:sld xmlns:a="http://schemas.openxmlformats.org/drawingml/2006/main" xmlns:r="http://schemas.openxmlformats.org/officeDocument/2006/relationships" xmlns:p="http://schemas.openxmlformats.org/presentationml/2006/main">
   <p:cSld>
     <p:spTree>
@@ -3982,66 +4042,6 @@
     <p:extLst>
       <p:ext uri="{BB962C8B-B14F-4D97-AF65-F5344CB8AC3E}">
         <p14:creationId xmlns:p14="http://schemas.microsoft.com/office/powerpoint/2010/main" val="749303311"/>
-      </p:ext>
-    </p:extLst>
-  </p:cSld>
-  <p:clrMapOvr>
-    <a:masterClrMapping/>
-  </p:clrMapOvr>
-</p:sld>
-</file>
-
-<file path=ppt/slides/slide6.xml><?xml version="1.0" encoding="utf-8"?>
-<p:sld xmlns:a="http://schemas.openxmlformats.org/drawingml/2006/main" xmlns:r="http://schemas.openxmlformats.org/officeDocument/2006/relationships" xmlns:p="http://schemas.openxmlformats.org/presentationml/2006/main">
-  <p:cSld>
-    <p:spTree>
-      <p:nvGrpSpPr>
-        <p:cNvPr id="1" name=""/>
-        <p:cNvGrpSpPr/>
-        <p:nvPr/>
-      </p:nvGrpSpPr>
-      <p:grpSpPr>
-        <a:xfrm>
-          <a:off x="0" y="0"/>
-          <a:ext cx="0" cy="0"/>
-          <a:chOff x="0" y="0"/>
-          <a:chExt cx="0" cy="0"/>
-        </a:xfrm>
-      </p:grpSpPr>
-      <p:pic>
-        <p:nvPicPr>
-          <p:cNvPr id="4" name="Picture 3" descr="A drawing of a circle with lines and points&#10;&#10;Description automatically generated">
-            <a:extLst>
-              <a:ext uri="{FF2B5EF4-FFF2-40B4-BE49-F238E27FC236}">
-                <a16:creationId xmlns:a16="http://schemas.microsoft.com/office/drawing/2014/main" id="{5DE1F7BF-570F-BD59-D588-D18EF496CA2C}"/>
-              </a:ext>
-            </a:extLst>
-          </p:cNvPr>
-          <p:cNvPicPr>
-            <a:picLocks noChangeAspect="1"/>
-          </p:cNvPicPr>
-          <p:nvPr/>
-        </p:nvPicPr>
-        <p:blipFill>
-          <a:blip r:embed="rId2"/>
-          <a:stretch>
-            <a:fillRect/>
-          </a:stretch>
-        </p:blipFill>
-        <p:spPr>
-          <a:xfrm>
-            <a:off x="2843213" y="928688"/>
-            <a:ext cx="6067425" cy="5000625"/>
-          </a:xfrm>
-          <a:prstGeom prst="rect">
-            <a:avLst/>
-          </a:prstGeom>
-        </p:spPr>
-      </p:pic>
-    </p:spTree>
-    <p:extLst>
-      <p:ext uri="{BB962C8B-B14F-4D97-AF65-F5344CB8AC3E}">
-        <p14:creationId xmlns:p14="http://schemas.microsoft.com/office/powerpoint/2010/main" val="902853743"/>
       </p:ext>
     </p:extLst>
   </p:cSld>
